--- a/Lecture Notes/ITP4869_Lect_02_Data_Types_and_Objects_v2.pptx
+++ b/Lecture Notes/ITP4869_Lect_02_Data_Types_and_Objects_v2.pptx
@@ -258,7 +258,7 @@
             <a:fld id="{E6C1B107-64FD-4351-85AF-CE024DBF6E2E}" type="datetimeFigureOut">
               <a:rPr lang="en-US" smtClean="0"/>
               <a:pPr/>
-              <a:t>5/27/2019</a:t>
+              <a:t>5/30/2019</a:t>
             </a:fld>
             <a:endParaRPr lang="en-US"/>
           </a:p>
